--- a/Document/tq_op_example.rev1.pptx
+++ b/Document/tq_op_example.rev1.pptx
@@ -3346,7 +3346,7 @@
                 <a:spcPct val="100000"/>
               </a:lnSpc>
             </a:pPr>
-            <a:fld id="{C5D3E309-17AB-4C91-A396-3A222C55A0FD}" type="datetime">
+            <a:fld id="{381E16C1-8988-4C93-82DA-2E2880F35603}" type="datetime">
               <a:rPr b="0" lang="en-US" sz="1200" spc="-1" strike="noStrike">
                 <a:solidFill>
                   <a:srgbClr val="8b8b8b"/>
@@ -3358,7 +3358,7 @@
                 </a:uFill>
                 <a:latin typeface="Calibri"/>
               </a:rPr>
-              <a:t>7/6/20</a:t>
+              <a:t>7/13/20</a:t>
             </a:fld>
             <a:endParaRPr b="0" lang="en-US" sz="1200" spc="-1" strike="noStrike">
               <a:solidFill>
@@ -3437,7 +3437,7 @@
                 <a:spcPct val="100000"/>
               </a:lnSpc>
             </a:pPr>
-            <a:fld id="{96F1CC04-9403-41C9-8946-4D8C368C701A}" type="slidenum">
+            <a:fld id="{63C798FC-3934-4D38-9AD3-89E16C7EABF9}" type="slidenum">
               <a:rPr b="0" lang="en-US" sz="1200" spc="-1" strike="noStrike">
                 <a:solidFill>
                   <a:srgbClr val="8b8b8b"/>
@@ -4306,7 +4306,7 @@
                 <a:spcPct val="100000"/>
               </a:lnSpc>
             </a:pPr>
-            <a:fld id="{30799669-74FF-4302-838F-934B4AEC3577}" type="datetime">
+            <a:fld id="{9083C26F-0400-47C0-B5FB-F9173BF3AC10}" type="datetime">
               <a:rPr b="0" lang="en-US" sz="1200" spc="-1" strike="noStrike">
                 <a:solidFill>
                   <a:srgbClr val="8b8b8b"/>
@@ -4318,7 +4318,7 @@
                 </a:uFill>
                 <a:latin typeface="Calibri"/>
               </a:rPr>
-              <a:t>7/6/20</a:t>
+              <a:t>7/13/20</a:t>
             </a:fld>
             <a:endParaRPr b="0" lang="en-US" sz="1200" spc="-1" strike="noStrike">
               <a:solidFill>
@@ -4397,7 +4397,7 @@
                 <a:spcPct val="100000"/>
               </a:lnSpc>
             </a:pPr>
-            <a:fld id="{6AC2197B-DAF8-48E8-B0F3-AA5E0BA4F6F1}" type="slidenum">
+            <a:fld id="{66C1ADD3-17F7-4EDC-AF29-4180D0B7A1FD}" type="slidenum">
               <a:rPr b="0" lang="en-US" sz="1200" spc="-1" strike="noStrike">
                 <a:solidFill>
                   <a:srgbClr val="8b8b8b"/>
@@ -10429,7 +10429,7 @@
                 </a:uFill>
                 <a:latin typeface="Calibri"/>
               </a:rPr>
-              <a:t>{$PI$}($#1,$#2($#4,$#3))</a:t>
+              <a:t>$PI$($#1,$#2($#4,$#3))</a:t>
             </a:r>
             <a:endParaRPr b="0" lang="en-US" sz="1400" spc="-1" strike="noStrike">
               <a:solidFill>
@@ -10492,7 +10492,7 @@
                 </a:uFill>
                 <a:latin typeface="Calibri"/>
               </a:rPr>
-              <a:t>{$BIND$($#11)}(#1[2],#2[2],#3[2],#4[4,2])</a:t>
+              <a:t>$BIND$($#11)(#1[2],#2[2],#3[2],#4[4,2])</a:t>
             </a:r>
             <a:endParaRPr b="0" lang="en-US" sz="1400" spc="-1" strike="noStrike">
               <a:solidFill>
@@ -10822,7 +10822,7 @@
                 </a:uFill>
                 <a:latin typeface="Calibri"/>
               </a:rPr>
-              <a:t>(#11{$FILE$(“A.csv”)})</a:t>
+              <a:t>#11$FILE$(A.csv)</a:t>
             </a:r>
             <a:endParaRPr b="0" lang="en-US" sz="1400" spc="-1" strike="noStrike">
               <a:solidFill>
@@ -10974,7 +10974,7 @@
                 </a:uFill>
                 <a:latin typeface="Calibri"/>
               </a:rPr>
-              <a:t>{$PI$}($#1,$#2($#4,$#3))</a:t>
+              <a:t>$PI$($#1,$#2($#4,$#3))</a:t>
             </a:r>
             <a:endParaRPr b="0" lang="en-US" sz="1400" spc="-1" strike="noStrike">
               <a:solidFill>
@@ -11037,7 +11037,7 @@
                 </a:uFill>
                 <a:latin typeface="Calibri"/>
               </a:rPr>
-              <a:t>{$BIND$($#11[2],$#12[2])}(#1[2],#2[2],#3[2],#4[4,2])</a:t>
+              <a:t>$BIND$($#11[2],$#12[2])(#1[2],#2[2],#3[2],#4[4,2])</a:t>
             </a:r>
             <a:endParaRPr b="0" lang="en-US" sz="1400" spc="-1" strike="noStrike">
               <a:solidFill>
@@ -11367,7 +11367,7 @@
                 </a:uFill>
                 <a:latin typeface="Calibri"/>
               </a:rPr>
-              <a:t>(#11{$FILE$(“A.csv”)},#12{$FILE$(“B.csv”)})</a:t>
+              <a:t>(#11$FILE$(A.csv),#12{$FILE$(B.csv))</a:t>
             </a:r>
             <a:endParaRPr b="0" lang="en-US" sz="1400" spc="-1" strike="noStrike">
               <a:solidFill>
